--- a/Download_R_RStudio.pptx
+++ b/Download_R_RStudio.pptx
@@ -9,7 +9,8 @@
     <p:sldId id="367" r:id="rId3"/>
     <p:sldId id="364" r:id="rId4"/>
     <p:sldId id="386" r:id="rId5"/>
-    <p:sldId id="382" r:id="rId6"/>
+    <p:sldId id="387" r:id="rId6"/>
+    <p:sldId id="382" r:id="rId7"/>
   </p:sldIdLst>
   <p:sldSz cx="12192000" cy="6858000"/>
   <p:notesSz cx="6858000" cy="9144000"/>
@@ -108,6 +109,11 @@
       </a:defRPr>
     </a:lvl9pPr>
   </p:defaultTextStyle>
+  <p:extLst>
+    <p:ext uri="{EFAFB233-063F-42B5-8137-9DF3F51BA10A}">
+      <p15:sldGuideLst xmlns:p15="http://schemas.microsoft.com/office/powerpoint/2012/main"/>
+    </p:ext>
+  </p:extLst>
 </p:presentation>
 </file>
 
@@ -260,7 +266,7 @@
           <a:p>
             <a:fld id="{1746B32B-E43D-4D72-9DAC-E878D3A81D03}" type="datetimeFigureOut">
               <a:rPr lang="en-GB" smtClean="0"/>
-              <a:t>20/10/2022</a:t>
+              <a:t>16/11/2022</a:t>
             </a:fld>
             <a:endParaRPr lang="en-GB"/>
           </a:p>
@@ -460,7 +466,7 @@
           <a:p>
             <a:fld id="{1746B32B-E43D-4D72-9DAC-E878D3A81D03}" type="datetimeFigureOut">
               <a:rPr lang="en-GB" smtClean="0"/>
-              <a:t>20/10/2022</a:t>
+              <a:t>16/11/2022</a:t>
             </a:fld>
             <a:endParaRPr lang="en-GB"/>
           </a:p>
@@ -670,7 +676,7 @@
           <a:p>
             <a:fld id="{1746B32B-E43D-4D72-9DAC-E878D3A81D03}" type="datetimeFigureOut">
               <a:rPr lang="en-GB" smtClean="0"/>
-              <a:t>20/10/2022</a:t>
+              <a:t>16/11/2022</a:t>
             </a:fld>
             <a:endParaRPr lang="en-GB"/>
           </a:p>
@@ -2038,7 +2044,7 @@
           <a:p>
             <a:fld id="{1746B32B-E43D-4D72-9DAC-E878D3A81D03}" type="datetimeFigureOut">
               <a:rPr lang="en-GB" smtClean="0"/>
-              <a:t>20/10/2022</a:t>
+              <a:t>16/11/2022</a:t>
             </a:fld>
             <a:endParaRPr lang="en-GB"/>
           </a:p>
@@ -2314,7 +2320,7 @@
           <a:p>
             <a:fld id="{1746B32B-E43D-4D72-9DAC-E878D3A81D03}" type="datetimeFigureOut">
               <a:rPr lang="en-GB" smtClean="0"/>
-              <a:t>20/10/2022</a:t>
+              <a:t>16/11/2022</a:t>
             </a:fld>
             <a:endParaRPr lang="en-GB"/>
           </a:p>
@@ -2582,7 +2588,7 @@
           <a:p>
             <a:fld id="{1746B32B-E43D-4D72-9DAC-E878D3A81D03}" type="datetimeFigureOut">
               <a:rPr lang="en-GB" smtClean="0"/>
-              <a:t>20/10/2022</a:t>
+              <a:t>16/11/2022</a:t>
             </a:fld>
             <a:endParaRPr lang="en-GB"/>
           </a:p>
@@ -2997,7 +3003,7 @@
           <a:p>
             <a:fld id="{1746B32B-E43D-4D72-9DAC-E878D3A81D03}" type="datetimeFigureOut">
               <a:rPr lang="en-GB" smtClean="0"/>
-              <a:t>20/10/2022</a:t>
+              <a:t>16/11/2022</a:t>
             </a:fld>
             <a:endParaRPr lang="en-GB"/>
           </a:p>
@@ -3139,7 +3145,7 @@
           <a:p>
             <a:fld id="{1746B32B-E43D-4D72-9DAC-E878D3A81D03}" type="datetimeFigureOut">
               <a:rPr lang="en-GB" smtClean="0"/>
-              <a:t>20/10/2022</a:t>
+              <a:t>16/11/2022</a:t>
             </a:fld>
             <a:endParaRPr lang="en-GB"/>
           </a:p>
@@ -3252,7 +3258,7 @@
           <a:p>
             <a:fld id="{1746B32B-E43D-4D72-9DAC-E878D3A81D03}" type="datetimeFigureOut">
               <a:rPr lang="en-GB" smtClean="0"/>
-              <a:t>20/10/2022</a:t>
+              <a:t>16/11/2022</a:t>
             </a:fld>
             <a:endParaRPr lang="en-GB"/>
           </a:p>
@@ -3565,7 +3571,7 @@
           <a:p>
             <a:fld id="{1746B32B-E43D-4D72-9DAC-E878D3A81D03}" type="datetimeFigureOut">
               <a:rPr lang="en-GB" smtClean="0"/>
-              <a:t>20/10/2022</a:t>
+              <a:t>16/11/2022</a:t>
             </a:fld>
             <a:endParaRPr lang="en-GB"/>
           </a:p>
@@ -3854,7 +3860,7 @@
           <a:p>
             <a:fld id="{1746B32B-E43D-4D72-9DAC-E878D3A81D03}" type="datetimeFigureOut">
               <a:rPr lang="en-GB" smtClean="0"/>
-              <a:t>20/10/2022</a:t>
+              <a:t>16/11/2022</a:t>
             </a:fld>
             <a:endParaRPr lang="en-GB"/>
           </a:p>
@@ -4097,7 +4103,7 @@
           <a:p>
             <a:fld id="{1746B32B-E43D-4D72-9DAC-E878D3A81D03}" type="datetimeFigureOut">
               <a:rPr lang="en-GB" smtClean="0"/>
-              <a:t>20/10/2022</a:t>
+              <a:t>16/11/2022</a:t>
             </a:fld>
             <a:endParaRPr lang="en-GB"/>
           </a:p>
@@ -5180,7 +5186,7 @@
           <a:p>
             <a:r>
               <a:rPr lang="en-US" dirty="0"/>
-              <a:t>Download R</a:t>
+              <a:t>Download R: Windows</a:t>
             </a:r>
             <a:endParaRPr lang="en-GB" dirty="0"/>
           </a:p>
@@ -5250,7 +5256,7 @@
         </p:blipFill>
         <p:spPr>
           <a:xfrm>
-            <a:off x="0" y="1816279"/>
+            <a:off x="0" y="1597538"/>
             <a:ext cx="9286876" cy="1713367"/>
           </a:xfrm>
           <a:prstGeom prst="rect">
@@ -5272,7 +5278,7 @@
         </p:nvSpPr>
         <p:spPr>
           <a:xfrm>
-            <a:off x="1695450" y="2282438"/>
+            <a:off x="1695450" y="2033961"/>
             <a:ext cx="1476375" cy="390525"/>
           </a:xfrm>
           <a:prstGeom prst="ellipse">
@@ -5339,10 +5345,10 @@
       </p:sp>
       <p:pic>
         <p:nvPicPr>
-          <p:cNvPr id="10" name="Picture 9">
-            <a:extLst>
-              <a:ext uri="{FF2B5EF4-FFF2-40B4-BE49-F238E27FC236}">
-                <a16:creationId xmlns:a16="http://schemas.microsoft.com/office/drawing/2014/main" id="{6AE01FDD-B29A-4137-A9BC-D10EB949AC86}"/>
+          <p:cNvPr id="15" name="Picture 14">
+            <a:extLst>
+              <a:ext uri="{FF2B5EF4-FFF2-40B4-BE49-F238E27FC236}">
+                <a16:creationId xmlns:a16="http://schemas.microsoft.com/office/drawing/2014/main" id="{DF2FA228-30BE-0F65-DAD5-C8EFD1A1386F}"/>
               </a:ext>
             </a:extLst>
           </p:cNvPr>
@@ -5351,15 +5357,16 @@
           </p:cNvPicPr>
           <p:nvPr/>
         </p:nvPicPr>
-        <p:blipFill rotWithShape="1">
+        <p:blipFill>
           <a:blip r:embed="rId4"/>
-          <a:srcRect t="9862" b="30971"/>
-          <a:stretch/>
+          <a:stretch>
+            <a:fillRect/>
+          </a:stretch>
         </p:blipFill>
         <p:spPr>
           <a:xfrm>
-            <a:off x="0" y="3706667"/>
-            <a:ext cx="9286876" cy="3090788"/>
+            <a:off x="0" y="4910167"/>
+            <a:ext cx="12192000" cy="1556017"/>
           </a:xfrm>
           <a:prstGeom prst="rect">
             <a:avLst/>
@@ -5368,10 +5375,10 @@
       </p:pic>
       <p:sp>
         <p:nvSpPr>
-          <p:cNvPr id="8" name="Oval 7">
-            <a:extLst>
-              <a:ext uri="{FF2B5EF4-FFF2-40B4-BE49-F238E27FC236}">
-                <a16:creationId xmlns:a16="http://schemas.microsoft.com/office/drawing/2014/main" id="{A1E56240-2178-42DD-A97E-C113BFD0BB19}"/>
+          <p:cNvPr id="16" name="Oval 15">
+            <a:extLst>
+              <a:ext uri="{FF2B5EF4-FFF2-40B4-BE49-F238E27FC236}">
+                <a16:creationId xmlns:a16="http://schemas.microsoft.com/office/drawing/2014/main" id="{FEBB7628-7211-511B-7FAE-C6BA3409C01F}"/>
               </a:ext>
             </a:extLst>
           </p:cNvPr>
@@ -5380,8 +5387,8 @@
         </p:nvSpPr>
         <p:spPr>
           <a:xfrm>
-            <a:off x="1533525" y="6129948"/>
-            <a:ext cx="2047875" cy="560533"/>
+            <a:off x="2500558" y="5357512"/>
+            <a:ext cx="4672138" cy="556400"/>
           </a:xfrm>
           <a:prstGeom prst="ellipse">
             <a:avLst/>
@@ -5442,6 +5449,58 @@
               <a:ea typeface="+mn-ea"/>
               <a:cs typeface="+mn-cs"/>
             </a:endParaRPr>
+          </a:p>
+        </p:txBody>
+      </p:sp>
+      <p:sp>
+        <p:nvSpPr>
+          <p:cNvPr id="18" name="Arrow: Down 17">
+            <a:extLst>
+              <a:ext uri="{FF2B5EF4-FFF2-40B4-BE49-F238E27FC236}">
+                <a16:creationId xmlns:a16="http://schemas.microsoft.com/office/drawing/2014/main" id="{EA3B428B-57E3-271F-36BA-659FB8E10870}"/>
+              </a:ext>
+            </a:extLst>
+          </p:cNvPr>
+          <p:cNvSpPr/>
+          <p:nvPr/>
+        </p:nvSpPr>
+        <p:spPr>
+          <a:xfrm>
+            <a:off x="3610099" y="3429000"/>
+            <a:ext cx="1472540" cy="1481167"/>
+          </a:xfrm>
+          <a:prstGeom prst="downArrow">
+            <a:avLst/>
+          </a:prstGeom>
+          <a:solidFill>
+            <a:srgbClr val="FF0000"/>
+          </a:solidFill>
+          <a:ln>
+            <a:solidFill>
+              <a:srgbClr val="FF0000"/>
+            </a:solidFill>
+          </a:ln>
+        </p:spPr>
+        <p:style>
+          <a:lnRef idx="1">
+            <a:schemeClr val="accent1"/>
+          </a:lnRef>
+          <a:fillRef idx="3">
+            <a:schemeClr val="accent1"/>
+          </a:fillRef>
+          <a:effectRef idx="2">
+            <a:schemeClr val="accent1"/>
+          </a:effectRef>
+          <a:fontRef idx="minor">
+            <a:schemeClr val="lt1"/>
+          </a:fontRef>
+        </p:style>
+        <p:txBody>
+          <a:bodyPr rtlCol="0" anchor="ctr"/>
+          <a:lstStyle/>
+          <a:p>
+            <a:pPr algn="ctr"/>
+            <a:endParaRPr lang="en-GB"/>
           </a:p>
         </p:txBody>
       </p:sp>
@@ -5480,6 +5539,247 @@
           <p:cNvPr id="2" name="Title 1">
             <a:extLst>
               <a:ext uri="{FF2B5EF4-FFF2-40B4-BE49-F238E27FC236}">
+                <a16:creationId xmlns:a16="http://schemas.microsoft.com/office/drawing/2014/main" id="{5897EC12-D735-C1D4-4B23-B28C8D3FE02C}"/>
+              </a:ext>
+            </a:extLst>
+          </p:cNvPr>
+          <p:cNvSpPr>
+            <a:spLocks noGrp="1"/>
+          </p:cNvSpPr>
+          <p:nvPr>
+            <p:ph type="title"/>
+          </p:nvPr>
+        </p:nvSpPr>
+        <p:spPr/>
+        <p:txBody>
+          <a:bodyPr/>
+          <a:lstStyle/>
+          <a:p>
+            <a:r>
+              <a:rPr lang="en-US" dirty="0"/>
+              <a:t>Download R:MacOS</a:t>
+            </a:r>
+            <a:endParaRPr lang="en-GB" dirty="0"/>
+          </a:p>
+        </p:txBody>
+      </p:sp>
+      <p:pic>
+        <p:nvPicPr>
+          <p:cNvPr id="4" name="Picture 3">
+            <a:extLst>
+              <a:ext uri="{FF2B5EF4-FFF2-40B4-BE49-F238E27FC236}">
+                <a16:creationId xmlns:a16="http://schemas.microsoft.com/office/drawing/2014/main" id="{E1C80E65-508F-1D19-809C-3620C4BA76D2}"/>
+              </a:ext>
+            </a:extLst>
+          </p:cNvPr>
+          <p:cNvPicPr>
+            <a:picLocks noChangeAspect="1"/>
+          </p:cNvPicPr>
+          <p:nvPr/>
+        </p:nvPicPr>
+        <p:blipFill>
+          <a:blip r:embed="rId2"/>
+          <a:stretch>
+            <a:fillRect/>
+          </a:stretch>
+        </p:blipFill>
+        <p:spPr>
+          <a:xfrm>
+            <a:off x="0" y="1658384"/>
+            <a:ext cx="8448261" cy="3432106"/>
+          </a:xfrm>
+          <a:prstGeom prst="rect">
+            <a:avLst/>
+          </a:prstGeom>
+        </p:spPr>
+      </p:pic>
+      <p:sp>
+        <p:nvSpPr>
+          <p:cNvPr id="5" name="Oval 4">
+            <a:extLst>
+              <a:ext uri="{FF2B5EF4-FFF2-40B4-BE49-F238E27FC236}">
+                <a16:creationId xmlns:a16="http://schemas.microsoft.com/office/drawing/2014/main" id="{92A11AD7-8814-CB8A-7A71-9F77878CF269}"/>
+              </a:ext>
+            </a:extLst>
+          </p:cNvPr>
+          <p:cNvSpPr/>
+          <p:nvPr/>
+        </p:nvSpPr>
+        <p:spPr>
+          <a:xfrm>
+            <a:off x="1513647" y="3769221"/>
+            <a:ext cx="2047875" cy="560533"/>
+          </a:xfrm>
+          <a:prstGeom prst="ellipse">
+            <a:avLst/>
+          </a:prstGeom>
+          <a:noFill/>
+          <a:ln w="28575">
+            <a:solidFill>
+              <a:srgbClr val="FF0000"/>
+            </a:solidFill>
+          </a:ln>
+        </p:spPr>
+        <p:style>
+          <a:lnRef idx="1">
+            <a:schemeClr val="accent1"/>
+          </a:lnRef>
+          <a:fillRef idx="3">
+            <a:schemeClr val="accent1"/>
+          </a:fillRef>
+          <a:effectRef idx="2">
+            <a:schemeClr val="accent1"/>
+          </a:effectRef>
+          <a:fontRef idx="minor">
+            <a:schemeClr val="lt1"/>
+          </a:fontRef>
+        </p:style>
+        <p:txBody>
+          <a:bodyPr rtlCol="0" anchor="ctr"/>
+          <a:lstStyle/>
+          <a:p>
+            <a:pPr marL="0" marR="0" lvl="0" indent="0" algn="ctr" defTabSz="914400" rtl="0" eaLnBrk="1" fontAlgn="auto" latinLnBrk="0" hangingPunct="1">
+              <a:lnSpc>
+                <a:spcPct val="100000"/>
+              </a:lnSpc>
+              <a:spcBef>
+                <a:spcPts val="0"/>
+              </a:spcBef>
+              <a:spcAft>
+                <a:spcPts val="0"/>
+              </a:spcAft>
+              <a:buClrTx/>
+              <a:buSzTx/>
+              <a:buFontTx/>
+              <a:buNone/>
+              <a:tabLst/>
+              <a:defRPr/>
+            </a:pPr>
+            <a:endParaRPr kumimoji="0" lang="en-GB" sz="1800" b="0" i="0" u="none" strike="noStrike" kern="1200" cap="none" spc="0" normalizeH="0" baseline="0" noProof="0">
+              <a:ln>
+                <a:noFill/>
+              </a:ln>
+              <a:solidFill>
+                <a:srgbClr val="FFFFFF"/>
+              </a:solidFill>
+              <a:effectLst/>
+              <a:uLnTx/>
+              <a:uFillTx/>
+              <a:latin typeface="Corbel" panose="020B0503020204020204"/>
+              <a:ea typeface="+mn-ea"/>
+              <a:cs typeface="+mn-cs"/>
+            </a:endParaRPr>
+          </a:p>
+        </p:txBody>
+      </p:sp>
+      <p:sp>
+        <p:nvSpPr>
+          <p:cNvPr id="6" name="Content Placeholder 2">
+            <a:extLst>
+              <a:ext uri="{FF2B5EF4-FFF2-40B4-BE49-F238E27FC236}">
+                <a16:creationId xmlns:a16="http://schemas.microsoft.com/office/drawing/2014/main" id="{EFE499B8-4A87-CEA3-A0F0-DE28305B240E}"/>
+              </a:ext>
+            </a:extLst>
+          </p:cNvPr>
+          <p:cNvSpPr>
+            <a:spLocks noGrp="1"/>
+          </p:cNvSpPr>
+          <p:nvPr>
+            <p:ph idx="1"/>
+          </p:nvPr>
+        </p:nvSpPr>
+        <p:spPr>
+          <a:xfrm>
+            <a:off x="609599" y="1201593"/>
+            <a:ext cx="10972801" cy="4821382"/>
+          </a:xfrm>
+        </p:spPr>
+        <p:txBody>
+          <a:bodyPr/>
+          <a:lstStyle/>
+          <a:p>
+            <a:pPr marL="342900" indent="-342900">
+              <a:buFont typeface="Arial" panose="020B0604020202020204" pitchFamily="34" charset="0"/>
+              <a:buChar char="•"/>
+            </a:pPr>
+            <a:r>
+              <a:rPr lang="en-GB" dirty="0">
+                <a:hlinkClick r:id="rId3"/>
+              </a:rPr>
+              <a:t>https://cran.ma.imperial.ac.uk/</a:t>
+            </a:r>
+            <a:r>
+              <a:rPr lang="en-GB" dirty="0"/>
+              <a:t> </a:t>
+            </a:r>
+          </a:p>
+        </p:txBody>
+      </p:sp>
+    </p:spTree>
+    <p:extLst>
+      <p:ext uri="{BB962C8B-B14F-4D97-AF65-F5344CB8AC3E}">
+        <p14:creationId xmlns:p14="http://schemas.microsoft.com/office/powerpoint/2010/main" val="3236352609"/>
+      </p:ext>
+    </p:extLst>
+  </p:cSld>
+  <p:clrMapOvr>
+    <a:masterClrMapping/>
+  </p:clrMapOvr>
+</p:sld>
+</file>
+
+<file path=ppt/slides/slide5.xml><?xml version="1.0" encoding="utf-8"?>
+<p:sld xmlns:a="http://schemas.openxmlformats.org/drawingml/2006/main" xmlns:r="http://schemas.openxmlformats.org/officeDocument/2006/relationships" xmlns:p="http://schemas.openxmlformats.org/presentationml/2006/main">
+  <p:cSld>
+    <p:spTree>
+      <p:nvGrpSpPr>
+        <p:cNvPr id="1" name=""/>
+        <p:cNvGrpSpPr/>
+        <p:nvPr/>
+      </p:nvGrpSpPr>
+      <p:grpSpPr>
+        <a:xfrm>
+          <a:off x="0" y="0"/>
+          <a:ext cx="0" cy="0"/>
+          <a:chOff x="0" y="0"/>
+          <a:chExt cx="0" cy="0"/>
+        </a:xfrm>
+      </p:grpSpPr>
+      <p:pic>
+        <p:nvPicPr>
+          <p:cNvPr id="7" name="Picture 6">
+            <a:extLst>
+              <a:ext uri="{FF2B5EF4-FFF2-40B4-BE49-F238E27FC236}">
+                <a16:creationId xmlns:a16="http://schemas.microsoft.com/office/drawing/2014/main" id="{1409F00F-44B7-9FF4-799A-13B3A857D9C6}"/>
+              </a:ext>
+            </a:extLst>
+          </p:cNvPr>
+          <p:cNvPicPr>
+            <a:picLocks noChangeAspect="1"/>
+          </p:cNvPicPr>
+          <p:nvPr/>
+        </p:nvPicPr>
+        <p:blipFill>
+          <a:blip r:embed="rId2"/>
+          <a:stretch>
+            <a:fillRect/>
+          </a:stretch>
+        </p:blipFill>
+        <p:spPr>
+          <a:xfrm>
+            <a:off x="3269951" y="1902519"/>
+            <a:ext cx="7072931" cy="4860479"/>
+          </a:xfrm>
+          <a:prstGeom prst="rect">
+            <a:avLst/>
+          </a:prstGeom>
+        </p:spPr>
+      </p:pic>
+      <p:sp>
+        <p:nvSpPr>
+          <p:cNvPr id="2" name="Title 1">
+            <a:extLst>
+              <a:ext uri="{FF2B5EF4-FFF2-40B4-BE49-F238E27FC236}">
                 <a16:creationId xmlns:a16="http://schemas.microsoft.com/office/drawing/2014/main" id="{D3F6C0BC-EC53-4468-8324-28CD0438E188}"/>
               </a:ext>
             </a:extLst>
@@ -5536,18 +5836,11 @@
             </a:pPr>
             <a:r>
               <a:rPr lang="en-GB" dirty="0">
-                <a:hlinkClick r:id="rId2"/>
+                <a:hlinkClick r:id="rId3"/>
               </a:rPr>
-              <a:t>https://www.rstudio.com/products/rstudio/download/#download</a:t>
-            </a:r>
-            <a:endParaRPr lang="fr-FR" dirty="0"/>
-          </a:p>
-          <a:p>
-            <a:pPr marL="342900" indent="-342900">
-              <a:buFont typeface="Arial" panose="020B0604020202020204" pitchFamily="34" charset="0"/>
-              <a:buChar char="•"/>
-            </a:pPr>
-            <a:endParaRPr lang="fr-FR" dirty="0"/>
+              <a:t>https://posit.co/download/rstudio-desktop/#download</a:t>
+            </a:r>
+            <a:endParaRPr lang="en-GB" dirty="0"/>
           </a:p>
           <a:p>
             <a:pPr marL="342900" indent="-342900">
@@ -5558,50 +5851,21 @@
           </a:p>
         </p:txBody>
       </p:sp>
-      <p:pic>
-        <p:nvPicPr>
-          <p:cNvPr id="5" name="Picture 4">
-            <a:extLst>
-              <a:ext uri="{FF2B5EF4-FFF2-40B4-BE49-F238E27FC236}">
-                <a16:creationId xmlns:a16="http://schemas.microsoft.com/office/drawing/2014/main" id="{BD5134A8-868E-4B82-BB03-4F51E9359140}"/>
-              </a:ext>
-            </a:extLst>
-          </p:cNvPr>
-          <p:cNvPicPr>
-            <a:picLocks noChangeAspect="1"/>
-          </p:cNvPicPr>
+      <p:sp>
+        <p:nvSpPr>
+          <p:cNvPr id="6" name="Oval 5">
+            <a:extLst>
+              <a:ext uri="{FF2B5EF4-FFF2-40B4-BE49-F238E27FC236}">
+                <a16:creationId xmlns:a16="http://schemas.microsoft.com/office/drawing/2014/main" id="{200B130C-69D2-4BA1-9940-9E98358A7EEB}"/>
+              </a:ext>
+            </a:extLst>
+          </p:cNvPr>
+          <p:cNvSpPr/>
           <p:nvPr/>
-        </p:nvPicPr>
-        <p:blipFill rotWithShape="1">
-          <a:blip r:embed="rId3"/>
-          <a:srcRect l="14219" t="10278" r="19453" b="5833"/>
-          <a:stretch/>
-        </p:blipFill>
+        </p:nvSpPr>
         <p:spPr>
           <a:xfrm>
-            <a:off x="2895601" y="1860717"/>
-            <a:ext cx="6877050" cy="4892507"/>
-          </a:xfrm>
-          <a:prstGeom prst="rect">
-            <a:avLst/>
-          </a:prstGeom>
-        </p:spPr>
-      </p:pic>
-      <p:sp>
-        <p:nvSpPr>
-          <p:cNvPr id="6" name="Oval 5">
-            <a:extLst>
-              <a:ext uri="{FF2B5EF4-FFF2-40B4-BE49-F238E27FC236}">
-                <a16:creationId xmlns:a16="http://schemas.microsoft.com/office/drawing/2014/main" id="{200B130C-69D2-4BA1-9940-9E98358A7EEB}"/>
-              </a:ext>
-            </a:extLst>
-          </p:cNvPr>
-          <p:cNvSpPr/>
-          <p:nvPr/>
-        </p:nvSpPr>
-        <p:spPr>
-          <a:xfrm>
-            <a:off x="2743200" y="5529262"/>
+            <a:off x="3752603" y="4555485"/>
             <a:ext cx="4371975" cy="661988"/>
           </a:xfrm>
           <a:prstGeom prst="ellipse">
